--- a/LectureFiles/cbw/2015/RNASeq_Module4_Tutorial.pptx
+++ b/LectureFiles/cbw/2015/RNASeq_Module4_Tutorial.pptx
@@ -5,27 +5,26 @@
     <p:sldMasterId id="2147483648" r:id="rId1"/>
   </p:sldMasterIdLst>
   <p:notesMasterIdLst>
-    <p:notesMasterId r:id="rId17"/>
+    <p:notesMasterId r:id="rId16"/>
   </p:notesMasterIdLst>
   <p:handoutMasterIdLst>
-    <p:handoutMasterId r:id="rId18"/>
+    <p:handoutMasterId r:id="rId17"/>
   </p:handoutMasterIdLst>
   <p:sldIdLst>
     <p:sldId id="341" r:id="rId2"/>
-    <p:sldId id="516" r:id="rId3"/>
-    <p:sldId id="342" r:id="rId4"/>
-    <p:sldId id="257" r:id="rId5"/>
-    <p:sldId id="517" r:id="rId6"/>
-    <p:sldId id="518" r:id="rId7"/>
-    <p:sldId id="519" r:id="rId8"/>
-    <p:sldId id="520" r:id="rId9"/>
-    <p:sldId id="521" r:id="rId10"/>
-    <p:sldId id="522" r:id="rId11"/>
-    <p:sldId id="523" r:id="rId12"/>
-    <p:sldId id="524" r:id="rId13"/>
-    <p:sldId id="525" r:id="rId14"/>
-    <p:sldId id="526" r:id="rId15"/>
-    <p:sldId id="512" r:id="rId16"/>
+    <p:sldId id="342" r:id="rId3"/>
+    <p:sldId id="257" r:id="rId4"/>
+    <p:sldId id="517" r:id="rId5"/>
+    <p:sldId id="518" r:id="rId6"/>
+    <p:sldId id="519" r:id="rId7"/>
+    <p:sldId id="520" r:id="rId8"/>
+    <p:sldId id="521" r:id="rId9"/>
+    <p:sldId id="522" r:id="rId10"/>
+    <p:sldId id="523" r:id="rId11"/>
+    <p:sldId id="524" r:id="rId12"/>
+    <p:sldId id="525" r:id="rId13"/>
+    <p:sldId id="526" r:id="rId14"/>
+    <p:sldId id="512" r:id="rId15"/>
   </p:sldIdLst>
   <p:sldSz cx="9144000" cy="6858000" type="screen4x3"/>
   <p:notesSz cx="7315200" cy="9601200"/>
@@ -264,7 +263,7 @@
               <a:pPr>
                 <a:defRPr/>
               </a:pPr>
-              <a:t>3/7/15</a:t>
+              <a:t>6/1/15</a:t>
             </a:fld>
             <a:endParaRPr lang="en-US"/>
           </a:p>
@@ -479,7 +478,7 @@
               <a:pPr>
                 <a:defRPr/>
               </a:pPr>
-              <a:t>3/7/15</a:t>
+              <a:t>6/1/15</a:t>
             </a:fld>
             <a:endParaRPr lang="en-US"/>
           </a:p>
@@ -971,7 +970,7 @@
                 <a:latin typeface="Calibri" charset="0"/>
               </a:rPr>
               <a:pPr eaLnBrk="1" hangingPunct="1"/>
-              <a:t>5</a:t>
+              <a:t>4</a:t>
             </a:fld>
             <a:endParaRPr lang="en-US" sz="1300">
               <a:latin typeface="Calibri" charset="0"/>
@@ -1312,7 +1311,7 @@
                 <a:latin typeface="Calibri" charset="0"/>
               </a:rPr>
               <a:pPr eaLnBrk="1" hangingPunct="1"/>
-              <a:t>14</a:t>
+              <a:t>13</a:t>
             </a:fld>
             <a:endParaRPr lang="en-US" sz="1300">
               <a:latin typeface="Calibri" charset="0"/>
@@ -1579,7 +1578,7 @@
                 <a:latin typeface="Calibri" charset="0"/>
               </a:rPr>
               <a:pPr eaLnBrk="1" hangingPunct="1"/>
-              <a:t>6</a:t>
+              <a:t>5</a:t>
             </a:fld>
             <a:endParaRPr lang="en-US" sz="1300">
               <a:latin typeface="Calibri" charset="0"/>
@@ -1846,7 +1845,7 @@
                 <a:latin typeface="Calibri" charset="0"/>
               </a:rPr>
               <a:pPr eaLnBrk="1" hangingPunct="1"/>
-              <a:t>7</a:t>
+              <a:t>6</a:t>
             </a:fld>
             <a:endParaRPr lang="en-US" sz="1300">
               <a:latin typeface="Calibri" charset="0"/>
@@ -2113,7 +2112,7 @@
                 <a:latin typeface="Calibri" charset="0"/>
               </a:rPr>
               <a:pPr eaLnBrk="1" hangingPunct="1"/>
-              <a:t>8</a:t>
+              <a:t>7</a:t>
             </a:fld>
             <a:endParaRPr lang="en-US" sz="1300">
               <a:latin typeface="Calibri" charset="0"/>
@@ -2380,7 +2379,7 @@
                 <a:latin typeface="Calibri" charset="0"/>
               </a:rPr>
               <a:pPr eaLnBrk="1" hangingPunct="1"/>
-              <a:t>9</a:t>
+              <a:t>8</a:t>
             </a:fld>
             <a:endParaRPr lang="en-US" sz="1300">
               <a:latin typeface="Calibri" charset="0"/>
@@ -2647,7 +2646,7 @@
                 <a:latin typeface="Calibri" charset="0"/>
               </a:rPr>
               <a:pPr eaLnBrk="1" hangingPunct="1"/>
-              <a:t>10</a:t>
+              <a:t>9</a:t>
             </a:fld>
             <a:endParaRPr lang="en-US" sz="1300">
               <a:latin typeface="Calibri" charset="0"/>
@@ -2914,7 +2913,7 @@
                 <a:latin typeface="Calibri" charset="0"/>
               </a:rPr>
               <a:pPr eaLnBrk="1" hangingPunct="1"/>
-              <a:t>11</a:t>
+              <a:t>10</a:t>
             </a:fld>
             <a:endParaRPr lang="en-US" sz="1300">
               <a:latin typeface="Calibri" charset="0"/>
@@ -3181,7 +3180,7 @@
                 <a:latin typeface="Calibri" charset="0"/>
               </a:rPr>
               <a:pPr eaLnBrk="1" hangingPunct="1"/>
-              <a:t>12</a:t>
+              <a:t>11</a:t>
             </a:fld>
             <a:endParaRPr lang="en-US" sz="1300">
               <a:latin typeface="Calibri" charset="0"/>
@@ -3448,7 +3447,7 @@
                 <a:latin typeface="Calibri" charset="0"/>
               </a:rPr>
               <a:pPr eaLnBrk="1" hangingPunct="1"/>
-              <a:t>13</a:t>
+              <a:t>12</a:t>
             </a:fld>
             <a:endParaRPr lang="en-US" sz="1300">
               <a:latin typeface="Calibri" charset="0"/>
@@ -5885,7 +5884,7 @@
               <a:pPr>
                 <a:defRPr/>
               </a:pPr>
-              <a:t>3/7/15</a:t>
+              <a:t>6/1/15</a:t>
             </a:fld>
             <a:endParaRPr lang="en-US"/>
           </a:p>
@@ -6753,169 +6752,6 @@
       </p:grpSpPr>
       <p:sp>
         <p:nvSpPr>
-          <p:cNvPr id="25601" name="Title 1"/>
-          <p:cNvSpPr>
-            <a:spLocks noGrp="1"/>
-          </p:cNvSpPr>
-          <p:nvPr>
-            <p:ph type="title"/>
-          </p:nvPr>
-        </p:nvSpPr>
-        <p:spPr>
-          <a:xfrm>
-            <a:off x="152400" y="-26988"/>
-            <a:ext cx="8839200" cy="1143001"/>
-          </a:xfrm>
-        </p:spPr>
-        <p:txBody>
-          <a:bodyPr/>
-          <a:lstStyle/>
-          <a:p>
-            <a:r>
-              <a:rPr lang="en-US" dirty="0" smtClean="0">
-                <a:latin typeface="Calibri" charset="0"/>
-                <a:ea typeface="ＭＳ Ｐゴシック" charset="0"/>
-              </a:rPr>
-              <a:t>5-iii,iv. </a:t>
-            </a:r>
-            <a:r>
-              <a:rPr lang="en-US" dirty="0" err="1" smtClean="0">
-                <a:latin typeface="Calibri" charset="0"/>
-                <a:ea typeface="ＭＳ Ｐゴシック" charset="0"/>
-              </a:rPr>
-              <a:t>Cuffmerge</a:t>
-            </a:r>
-            <a:endParaRPr lang="en-US" dirty="0">
-              <a:latin typeface="Calibri" charset="0"/>
-              <a:ea typeface="ＭＳ Ｐゴシック" charset="0"/>
-            </a:endParaRPr>
-          </a:p>
-        </p:txBody>
-      </p:sp>
-      <p:sp>
-        <p:nvSpPr>
-          <p:cNvPr id="25602" name="Content Placeholder 2"/>
-          <p:cNvSpPr>
-            <a:spLocks noGrp="1"/>
-          </p:cNvSpPr>
-          <p:nvPr>
-            <p:ph idx="1"/>
-          </p:nvPr>
-        </p:nvSpPr>
-        <p:spPr/>
-        <p:txBody>
-          <a:bodyPr/>
-          <a:lstStyle/>
-          <a:p>
-            <a:r>
-              <a:rPr lang="en-US">
-                <a:latin typeface="Calibri" charset="0"/>
-                <a:ea typeface="ＭＳ Ｐゴシック" charset="0"/>
-                <a:hlinkClick r:id="rId3"/>
-              </a:rPr>
-              <a:t>http://cufflinks.cbcb.umd.edu/manual.html#cuffmerge</a:t>
-            </a:r>
-            <a:endParaRPr lang="en-US">
-              <a:latin typeface="Calibri" charset="0"/>
-              <a:ea typeface="ＭＳ Ｐゴシック" charset="0"/>
-            </a:endParaRPr>
-          </a:p>
-          <a:p>
-            <a:endParaRPr lang="en-US">
-              <a:latin typeface="Calibri" charset="0"/>
-              <a:ea typeface="ＭＳ Ｐゴシック" charset="0"/>
-            </a:endParaRPr>
-          </a:p>
-          <a:p>
-            <a:r>
-              <a:rPr lang="en-US">
-                <a:latin typeface="Calibri" charset="0"/>
-                <a:ea typeface="ＭＳ Ｐゴシック" charset="0"/>
-              </a:rPr>
-              <a:t>Cuffmerge combines transcripts predicted from multiple RNA-seq data sets into one view of the transcriptome</a:t>
-            </a:r>
-          </a:p>
-          <a:p>
-            <a:pPr lvl="1"/>
-            <a:r>
-              <a:rPr lang="en-US">
-                <a:latin typeface="Calibri" charset="0"/>
-                <a:ea typeface="ＭＳ Ｐゴシック" charset="0"/>
-              </a:rPr>
-              <a:t>Do this before running cuffdiff to compare between multiple conditions</a:t>
-            </a:r>
-          </a:p>
-          <a:p>
-            <a:r>
-              <a:rPr lang="en-US">
-                <a:latin typeface="Calibri" charset="0"/>
-                <a:ea typeface="ＭＳ Ｐゴシック" charset="0"/>
-              </a:rPr>
-              <a:t>Cuffmerge can also simultaneously compare transcripts to the known transcripts GTF file from Ensembl, etc.</a:t>
-            </a:r>
-          </a:p>
-          <a:p>
-            <a:pPr lvl="1"/>
-            <a:r>
-              <a:rPr lang="en-US">
-                <a:latin typeface="Calibri" charset="0"/>
-                <a:ea typeface="ＭＳ Ｐゴシック" charset="0"/>
-                <a:hlinkClick r:id="rId4"/>
-              </a:rPr>
-              <a:t>http://cufflinks.cbcb.umd.edu/manual.html#class_codes</a:t>
-            </a:r>
-            <a:endParaRPr lang="en-US">
-              <a:latin typeface="Calibri" charset="0"/>
-              <a:ea typeface="ＭＳ Ｐゴシック" charset="0"/>
-            </a:endParaRPr>
-          </a:p>
-          <a:p>
-            <a:endParaRPr lang="en-US">
-              <a:latin typeface="Calibri" charset="0"/>
-              <a:ea typeface="ＭＳ Ｐゴシック" charset="0"/>
-            </a:endParaRPr>
-          </a:p>
-        </p:txBody>
-      </p:sp>
-    </p:spTree>
-    <p:extLst>
-      <p:ext uri="{BB962C8B-B14F-4D97-AF65-F5344CB8AC3E}">
-        <p14:creationId xmlns:p14="http://schemas.microsoft.com/office/powerpoint/2010/main" val="2573498964"/>
-      </p:ext>
-    </p:extLst>
-  </p:cSld>
-  <p:clrMapOvr>
-    <a:masterClrMapping/>
-  </p:clrMapOvr>
-  <p:timing>
-    <p:tnLst>
-      <p:par>
-        <p:cTn xmlns:p14="http://schemas.microsoft.com/office/powerpoint/2010/main" id="1" dur="indefinite" restart="never" nodeType="tmRoot"/>
-      </p:par>
-    </p:tnLst>
-  </p:timing>
-</p:sld>
-</file>
-
-<file path=ppt/slides/slide11.xml><?xml version="1.0" encoding="utf-8"?>
-<p:sld xmlns:a="http://schemas.openxmlformats.org/drawingml/2006/main" xmlns:r="http://schemas.openxmlformats.org/officeDocument/2006/relationships" xmlns:p="http://schemas.openxmlformats.org/presentationml/2006/main">
-  <p:cSld>
-    <p:spTree>
-      <p:nvGrpSpPr>
-        <p:cNvPr id="1" name=""/>
-        <p:cNvGrpSpPr/>
-        <p:nvPr/>
-      </p:nvGrpSpPr>
-      <p:grpSpPr>
-        <a:xfrm>
-          <a:off x="0" y="0"/>
-          <a:ext cx="0" cy="0"/>
-          <a:chOff x="0" y="0"/>
-          <a:chExt cx="0" cy="0"/>
-        </a:xfrm>
-      </p:grpSpPr>
-      <p:sp>
-        <p:nvSpPr>
           <p:cNvPr id="27649" name="Title 1"/>
           <p:cNvSpPr>
             <a:spLocks noGrp="1"/>
@@ -7271,7 +7107,7 @@
 </p:sld>
 </file>
 
-<file path=ppt/slides/slide12.xml><?xml version="1.0" encoding="utf-8"?>
+<file path=ppt/slides/slide11.xml><?xml version="1.0" encoding="utf-8"?>
 <p:sld xmlns:a="http://schemas.openxmlformats.org/drawingml/2006/main" xmlns:r="http://schemas.openxmlformats.org/officeDocument/2006/relationships" xmlns:p="http://schemas.openxmlformats.org/presentationml/2006/main">
   <p:cSld>
     <p:spTree>
@@ -7551,7 +7387,7 @@
 </p:sld>
 </file>
 
-<file path=ppt/slides/slide13.xml><?xml version="1.0" encoding="utf-8"?>
+<file path=ppt/slides/slide12.xml><?xml version="1.0" encoding="utf-8"?>
 <p:sld xmlns:a="http://schemas.openxmlformats.org/drawingml/2006/main" xmlns:r="http://schemas.openxmlformats.org/officeDocument/2006/relationships" xmlns:p="http://schemas.openxmlformats.org/presentationml/2006/main">
   <p:cSld>
     <p:spTree>
@@ -7720,7 +7556,7 @@
 </p:sld>
 </file>
 
-<file path=ppt/slides/slide14.xml><?xml version="1.0" encoding="utf-8"?>
+<file path=ppt/slides/slide13.xml><?xml version="1.0" encoding="utf-8"?>
 <p:sld xmlns:a="http://schemas.openxmlformats.org/drawingml/2006/main" xmlns:r="http://schemas.openxmlformats.org/officeDocument/2006/relationships" xmlns:p="http://schemas.openxmlformats.org/presentationml/2006/main">
   <p:cSld>
     <p:spTree>
@@ -7812,7 +7648,7 @@
 </p:sld>
 </file>
 
-<file path=ppt/slides/slide15.xml><?xml version="1.0" encoding="utf-8"?>
+<file path=ppt/slides/slide14.xml><?xml version="1.0" encoding="utf-8"?>
 <p:sld xmlns:a="http://schemas.openxmlformats.org/drawingml/2006/main" xmlns:r="http://schemas.openxmlformats.org/officeDocument/2006/relationships" xmlns:p="http://schemas.openxmlformats.org/presentationml/2006/main">
   <p:cSld>
     <p:spTree>
@@ -7881,7 +7717,7 @@
       </p:sp>
       <p:pic>
         <p:nvPicPr>
-          <p:cNvPr id="3" name="Picture 2" descr="CSHL_Logo.eps"/>
+          <p:cNvPr id="2" name="Picture 1" descr="bioinformatics-ca.eps"/>
           <p:cNvPicPr>
             <a:picLocks noChangeAspect="1"/>
           </p:cNvPicPr>
@@ -7901,70 +7737,7 @@
         </p:blipFill>
         <p:spPr>
           <a:xfrm>
-            <a:off x="1547664" y="4869160"/>
-            <a:ext cx="2594868" cy="994509"/>
-          </a:xfrm>
-          <a:prstGeom prst="rect">
-            <a:avLst/>
-          </a:prstGeom>
-          <a:solidFill>
-            <a:schemeClr val="bg1"/>
-          </a:solidFill>
-        </p:spPr>
-      </p:pic>
-      <p:pic>
-        <p:nvPicPr>
-          <p:cNvPr id="4" name="Picture 3" descr="NYGC_logo.jpeg"/>
-          <p:cNvPicPr>
-            <a:picLocks noChangeAspect="1"/>
-          </p:cNvPicPr>
-          <p:nvPr/>
-        </p:nvPicPr>
-        <p:blipFill>
-          <a:blip r:embed="rId3" cstate="print">
-            <a:extLst>
-              <a:ext uri="{28A0092B-C50C-407E-A947-70E740481C1C}">
-                <a14:useLocalDpi xmlns:a14="http://schemas.microsoft.com/office/drawing/2010/main" val="0"/>
-              </a:ext>
-            </a:extLst>
-          </a:blip>
-          <a:stretch>
-            <a:fillRect/>
-          </a:stretch>
-        </p:blipFill>
-        <p:spPr>
-          <a:xfrm>
-            <a:off x="5436096" y="4437112"/>
-            <a:ext cx="2224796" cy="1483197"/>
-          </a:xfrm>
-          <a:prstGeom prst="rect">
-            <a:avLst/>
-          </a:prstGeom>
-        </p:spPr>
-      </p:pic>
-      <p:pic>
-        <p:nvPicPr>
-          <p:cNvPr id="2" name="Picture 1" descr="bioinformatics-ca.eps"/>
-          <p:cNvPicPr>
-            <a:picLocks noChangeAspect="1"/>
-          </p:cNvPicPr>
-          <p:nvPr/>
-        </p:nvPicPr>
-        <p:blipFill>
-          <a:blip r:embed="rId4">
-            <a:extLst>
-              <a:ext uri="{28A0092B-C50C-407E-A947-70E740481C1C}">
-                <a14:useLocalDpi xmlns:a14="http://schemas.microsoft.com/office/drawing/2010/main" val="0"/>
-              </a:ext>
-            </a:extLst>
-          </a:blip>
-          <a:stretch>
-            <a:fillRect/>
-          </a:stretch>
-        </p:blipFill>
-        <p:spPr>
-          <a:xfrm>
-            <a:off x="3122397" y="3151943"/>
+            <a:off x="3122397" y="3861048"/>
             <a:ext cx="2823006" cy="1213161"/>
           </a:xfrm>
           <a:prstGeom prst="rect">
@@ -7981,576 +7754,6 @@
 </file>
 
 <file path=ppt/slides/slide2.xml><?xml version="1.0" encoding="utf-8"?>
-<p:sld xmlns:a="http://schemas.openxmlformats.org/drawingml/2006/main" xmlns:r="http://schemas.openxmlformats.org/officeDocument/2006/relationships" xmlns:p="http://schemas.openxmlformats.org/presentationml/2006/main">
-  <p:cSld>
-    <p:spTree>
-      <p:nvGrpSpPr>
-        <p:cNvPr id="1" name=""/>
-        <p:cNvGrpSpPr/>
-        <p:nvPr/>
-      </p:nvGrpSpPr>
-      <p:grpSpPr>
-        <a:xfrm>
-          <a:off x="0" y="0"/>
-          <a:ext cx="0" cy="0"/>
-          <a:chOff x="0" y="0"/>
-          <a:chExt cx="0" cy="0"/>
-        </a:xfrm>
-      </p:grpSpPr>
-      <p:pic>
-        <p:nvPicPr>
-          <p:cNvPr id="2" name="Picture 1" descr="CSHL_Logo.eps"/>
-          <p:cNvPicPr>
-            <a:picLocks noChangeAspect="1"/>
-          </p:cNvPicPr>
-          <p:nvPr/>
-        </p:nvPicPr>
-        <p:blipFill>
-          <a:blip r:embed="rId2">
-            <a:extLst>
-              <a:ext uri="{28A0092B-C50C-407E-A947-70E740481C1C}">
-                <a14:useLocalDpi xmlns:a14="http://schemas.microsoft.com/office/drawing/2010/main" val="0"/>
-              </a:ext>
-            </a:extLst>
-          </a:blip>
-          <a:stretch>
-            <a:fillRect/>
-          </a:stretch>
-        </p:blipFill>
-        <p:spPr>
-          <a:xfrm>
-            <a:off x="1475656" y="5445224"/>
-            <a:ext cx="2594868" cy="994509"/>
-          </a:xfrm>
-          <a:prstGeom prst="rect">
-            <a:avLst/>
-          </a:prstGeom>
-          <a:solidFill>
-            <a:schemeClr val="bg1"/>
-          </a:solidFill>
-        </p:spPr>
-      </p:pic>
-      <p:pic>
-        <p:nvPicPr>
-          <p:cNvPr id="3" name="Picture 2" descr="NYGC_logo.jpeg"/>
-          <p:cNvPicPr>
-            <a:picLocks noChangeAspect="1"/>
-          </p:cNvPicPr>
-          <p:nvPr/>
-        </p:nvPicPr>
-        <p:blipFill>
-          <a:blip r:embed="rId3" cstate="print">
-            <a:extLst>
-              <a:ext uri="{28A0092B-C50C-407E-A947-70E740481C1C}">
-                <a14:useLocalDpi xmlns:a14="http://schemas.microsoft.com/office/drawing/2010/main" val="0"/>
-              </a:ext>
-            </a:extLst>
-          </a:blip>
-          <a:stretch>
-            <a:fillRect/>
-          </a:stretch>
-        </p:blipFill>
-        <p:spPr>
-          <a:xfrm>
-            <a:off x="5364088" y="5013176"/>
-            <a:ext cx="2224796" cy="1483197"/>
-          </a:xfrm>
-          <a:prstGeom prst="rect">
-            <a:avLst/>
-          </a:prstGeom>
-        </p:spPr>
-      </p:pic>
-      <p:sp>
-        <p:nvSpPr>
-          <p:cNvPr id="6" name="Rectangle 2"/>
-          <p:cNvSpPr txBox="1">
-            <a:spLocks noChangeArrowheads="1"/>
-          </p:cNvSpPr>
-          <p:nvPr/>
-        </p:nvSpPr>
-        <p:spPr bwMode="auto">
-          <a:xfrm>
-            <a:off x="650839" y="3277344"/>
-            <a:ext cx="7772400" cy="1447800"/>
-          </a:xfrm>
-          <a:prstGeom prst="rect">
-            <a:avLst/>
-          </a:prstGeom>
-          <a:noFill/>
-          <a:ln>
-            <a:noFill/>
-          </a:ln>
-          <a:extLst>
-            <a:ext uri="{909E8E84-426E-40dd-AFC4-6F175D3DCCD1}">
-              <a14:hiddenFill xmlns:a14="http://schemas.microsoft.com/office/drawing/2010/main">
-                <a:solidFill>
-                  <a:srgbClr val="FFFFFF"/>
-                </a:solidFill>
-              </a14:hiddenFill>
-            </a:ext>
-            <a:ext uri="{91240B29-F687-4f45-9708-019B960494DF}">
-              <a14:hiddenLine xmlns:a14="http://schemas.microsoft.com/office/drawing/2010/main" w="9525">
-                <a:solidFill>
-                  <a:srgbClr val="000000"/>
-                </a:solidFill>
-                <a:miter lim="800000"/>
-                <a:headEnd/>
-                <a:tailEnd/>
-              </a14:hiddenLine>
-            </a:ext>
-            <a:ext uri="{FAA26D3D-D897-4be2-8F04-BA451C77F1D7}">
-              <ma14:placeholderFlag xmlns:ma14="http://schemas.microsoft.com/office/mac/drawingml/2011/main" val="1"/>
-            </a:ext>
-          </a:extLst>
-        </p:spPr>
-        <p:txBody>
-          <a:bodyPr vert="horz" wrap="square" lIns="91440" tIns="45720" rIns="91440" bIns="45720" numCol="1" anchor="ctr" anchorCtr="0" compatLnSpc="1">
-            <a:prstTxWarp prst="textNoShape">
-              <a:avLst/>
-            </a:prstTxWarp>
-          </a:bodyPr>
-          <a:lstStyle>
-            <a:lvl1pPr algn="ctr" rtl="0" eaLnBrk="0" fontAlgn="base" hangingPunct="0">
-              <a:spcBef>
-                <a:spcPct val="0"/>
-              </a:spcBef>
-              <a:spcAft>
-                <a:spcPct val="0"/>
-              </a:spcAft>
-              <a:defRPr sz="4000" b="1" kern="1200">
-                <a:solidFill>
-                  <a:schemeClr val="tx1"/>
-                </a:solidFill>
-                <a:latin typeface="Calibri"/>
-                <a:ea typeface="ＭＳ Ｐゴシック" pitchFamily="-28" charset="-128"/>
-                <a:cs typeface="Calibri"/>
-              </a:defRPr>
-            </a:lvl1pPr>
-            <a:lvl2pPr algn="ctr" rtl="0" eaLnBrk="0" fontAlgn="base" hangingPunct="0">
-              <a:spcBef>
-                <a:spcPct val="0"/>
-              </a:spcBef>
-              <a:spcAft>
-                <a:spcPct val="0"/>
-              </a:spcAft>
-              <a:defRPr sz="4000" b="1">
-                <a:solidFill>
-                  <a:schemeClr val="tx1"/>
-                </a:solidFill>
-                <a:latin typeface="Calibri" charset="0"/>
-                <a:ea typeface="ＭＳ Ｐゴシック" pitchFamily="-28" charset="-128"/>
-                <a:cs typeface="ＭＳ Ｐゴシック" pitchFamily="-28" charset="-128"/>
-              </a:defRPr>
-            </a:lvl2pPr>
-            <a:lvl3pPr algn="ctr" rtl="0" eaLnBrk="0" fontAlgn="base" hangingPunct="0">
-              <a:spcBef>
-                <a:spcPct val="0"/>
-              </a:spcBef>
-              <a:spcAft>
-                <a:spcPct val="0"/>
-              </a:spcAft>
-              <a:defRPr sz="4000" b="1">
-                <a:solidFill>
-                  <a:schemeClr val="tx1"/>
-                </a:solidFill>
-                <a:latin typeface="Calibri" charset="0"/>
-                <a:ea typeface="ＭＳ Ｐゴシック" pitchFamily="-28" charset="-128"/>
-                <a:cs typeface="ＭＳ Ｐゴシック" pitchFamily="-28" charset="-128"/>
-              </a:defRPr>
-            </a:lvl3pPr>
-            <a:lvl4pPr algn="ctr" rtl="0" eaLnBrk="0" fontAlgn="base" hangingPunct="0">
-              <a:spcBef>
-                <a:spcPct val="0"/>
-              </a:spcBef>
-              <a:spcAft>
-                <a:spcPct val="0"/>
-              </a:spcAft>
-              <a:defRPr sz="4000" b="1">
-                <a:solidFill>
-                  <a:schemeClr val="tx1"/>
-                </a:solidFill>
-                <a:latin typeface="Calibri" charset="0"/>
-                <a:ea typeface="ＭＳ Ｐゴシック" pitchFamily="-28" charset="-128"/>
-                <a:cs typeface="ＭＳ Ｐゴシック" pitchFamily="-28" charset="-128"/>
-              </a:defRPr>
-            </a:lvl4pPr>
-            <a:lvl5pPr algn="ctr" rtl="0" eaLnBrk="0" fontAlgn="base" hangingPunct="0">
-              <a:spcBef>
-                <a:spcPct val="0"/>
-              </a:spcBef>
-              <a:spcAft>
-                <a:spcPct val="0"/>
-              </a:spcAft>
-              <a:defRPr sz="4000" b="1">
-                <a:solidFill>
-                  <a:schemeClr val="tx1"/>
-                </a:solidFill>
-                <a:latin typeface="Calibri" charset="0"/>
-                <a:ea typeface="ＭＳ Ｐゴシック" pitchFamily="-28" charset="-128"/>
-                <a:cs typeface="ＭＳ Ｐゴシック" pitchFamily="-28" charset="-128"/>
-              </a:defRPr>
-            </a:lvl5pPr>
-            <a:lvl6pPr marL="457200" algn="ctr" rtl="0" fontAlgn="base">
-              <a:spcBef>
-                <a:spcPct val="0"/>
-              </a:spcBef>
-              <a:spcAft>
-                <a:spcPct val="0"/>
-              </a:spcAft>
-              <a:defRPr sz="4400">
-                <a:solidFill>
-                  <a:schemeClr val="tx1"/>
-                </a:solidFill>
-                <a:latin typeface="Segoe UI" pitchFamily="34" charset="0"/>
-                <a:ea typeface="ＭＳ Ｐゴシック" pitchFamily="-28" charset="-128"/>
-                <a:cs typeface="ＭＳ Ｐゴシック" pitchFamily="-28" charset="-128"/>
-              </a:defRPr>
-            </a:lvl6pPr>
-            <a:lvl7pPr marL="914400" algn="ctr" rtl="0" fontAlgn="base">
-              <a:spcBef>
-                <a:spcPct val="0"/>
-              </a:spcBef>
-              <a:spcAft>
-                <a:spcPct val="0"/>
-              </a:spcAft>
-              <a:defRPr sz="4400">
-                <a:solidFill>
-                  <a:schemeClr val="tx1"/>
-                </a:solidFill>
-                <a:latin typeface="Segoe UI" pitchFamily="34" charset="0"/>
-                <a:ea typeface="ＭＳ Ｐゴシック" pitchFamily="-28" charset="-128"/>
-                <a:cs typeface="ＭＳ Ｐゴシック" pitchFamily="-28" charset="-128"/>
-              </a:defRPr>
-            </a:lvl7pPr>
-            <a:lvl8pPr marL="1371600" algn="ctr" rtl="0" fontAlgn="base">
-              <a:spcBef>
-                <a:spcPct val="0"/>
-              </a:spcBef>
-              <a:spcAft>
-                <a:spcPct val="0"/>
-              </a:spcAft>
-              <a:defRPr sz="4400">
-                <a:solidFill>
-                  <a:schemeClr val="tx1"/>
-                </a:solidFill>
-                <a:latin typeface="Segoe UI" pitchFamily="34" charset="0"/>
-                <a:ea typeface="ＭＳ Ｐゴシック" pitchFamily="-28" charset="-128"/>
-                <a:cs typeface="ＭＳ Ｐゴシック" pitchFamily="-28" charset="-128"/>
-              </a:defRPr>
-            </a:lvl8pPr>
-            <a:lvl9pPr marL="1828800" algn="ctr" rtl="0" fontAlgn="base">
-              <a:spcBef>
-                <a:spcPct val="0"/>
-              </a:spcBef>
-              <a:spcAft>
-                <a:spcPct val="0"/>
-              </a:spcAft>
-              <a:defRPr sz="4400">
-                <a:solidFill>
-                  <a:schemeClr val="tx1"/>
-                </a:solidFill>
-                <a:latin typeface="Segoe UI" pitchFamily="34" charset="0"/>
-                <a:ea typeface="ＭＳ Ｐゴシック" pitchFamily="-28" charset="-128"/>
-                <a:cs typeface="ＭＳ Ｐゴシック" pitchFamily="-28" charset="-128"/>
-              </a:defRPr>
-            </a:lvl9pPr>
-          </a:lstStyle>
-          <a:p>
-            <a:pPr eaLnBrk="1" hangingPunct="1"/>
-            <a:r>
-              <a:rPr lang="en-US" sz="3600" b="0" dirty="0" smtClean="0">
-                <a:solidFill>
-                  <a:srgbClr val="CA0000"/>
-                </a:solidFill>
-                <a:latin typeface="Calibri" charset="0"/>
-                <a:ea typeface="ＭＳ Ｐゴシック" charset="0"/>
-                <a:cs typeface="ＭＳ Ｐゴシック" charset="0"/>
-              </a:rPr>
-              <a:t>Cold Spring Harbor Laboratory</a:t>
-            </a:r>
-          </a:p>
-          <a:p>
-            <a:pPr eaLnBrk="1" hangingPunct="1"/>
-            <a:r>
-              <a:rPr lang="en-US" sz="2800" b="0" dirty="0">
-                <a:solidFill>
-                  <a:srgbClr val="000000"/>
-                </a:solidFill>
-                <a:latin typeface="Calibri" charset="0"/>
-                <a:ea typeface="ＭＳ Ｐゴシック" charset="0"/>
-                <a:cs typeface="ＭＳ Ｐゴシック" charset="0"/>
-              </a:rPr>
-              <a:t>&amp;</a:t>
-            </a:r>
-            <a:endParaRPr lang="en-US" sz="2800" b="0" dirty="0" smtClean="0">
-              <a:solidFill>
-                <a:srgbClr val="000000"/>
-              </a:solidFill>
-              <a:latin typeface="Calibri" charset="0"/>
-              <a:ea typeface="ＭＳ Ｐゴシック" charset="0"/>
-              <a:cs typeface="ＭＳ Ｐゴシック" charset="0"/>
-            </a:endParaRPr>
-          </a:p>
-          <a:p>
-            <a:pPr eaLnBrk="1" hangingPunct="1"/>
-            <a:r>
-              <a:rPr lang="en-US" sz="3600" b="0" dirty="0" smtClean="0">
-                <a:solidFill>
-                  <a:srgbClr val="CA0000"/>
-                </a:solidFill>
-                <a:latin typeface="Calibri" charset="0"/>
-                <a:ea typeface="ＭＳ Ｐゴシック" charset="0"/>
-                <a:cs typeface="ＭＳ Ｐゴシック" charset="0"/>
-              </a:rPr>
-              <a:t> New York Genome Center</a:t>
-            </a:r>
-            <a:endParaRPr lang="en-US" sz="3600" b="0" dirty="0">
-              <a:solidFill>
-                <a:srgbClr val="CA0000"/>
-              </a:solidFill>
-              <a:latin typeface="Calibri" charset="0"/>
-              <a:ea typeface="ＭＳ Ｐゴシック" charset="0"/>
-              <a:cs typeface="ＭＳ Ｐゴシック" charset="0"/>
-            </a:endParaRPr>
-          </a:p>
-        </p:txBody>
-      </p:sp>
-      <p:sp>
-        <p:nvSpPr>
-          <p:cNvPr id="7" name="Rectangle 3"/>
-          <p:cNvSpPr txBox="1">
-            <a:spLocks noChangeArrowheads="1"/>
-          </p:cNvSpPr>
-          <p:nvPr/>
-        </p:nvSpPr>
-        <p:spPr bwMode="auto">
-          <a:xfrm>
-            <a:off x="1141802" y="2780928"/>
-            <a:ext cx="6778625" cy="648072"/>
-          </a:xfrm>
-          <a:prstGeom prst="rect">
-            <a:avLst/>
-          </a:prstGeom>
-          <a:noFill/>
-          <a:ln>
-            <a:noFill/>
-          </a:ln>
-          <a:extLst>
-            <a:ext uri="{909E8E84-426E-40dd-AFC4-6F175D3DCCD1}">
-              <a14:hiddenFill xmlns:a14="http://schemas.microsoft.com/office/drawing/2010/main">
-                <a:solidFill>
-                  <a:srgbClr val="FFFFFF"/>
-                </a:solidFill>
-              </a14:hiddenFill>
-            </a:ext>
-            <a:ext uri="{91240B29-F687-4f45-9708-019B960494DF}">
-              <a14:hiddenLine xmlns:a14="http://schemas.microsoft.com/office/drawing/2010/main" w="9525">
-                <a:solidFill>
-                  <a:srgbClr val="000000"/>
-                </a:solidFill>
-                <a:miter lim="800000"/>
-                <a:headEnd/>
-                <a:tailEnd/>
-              </a14:hiddenLine>
-            </a:ext>
-            <a:ext uri="{FAA26D3D-D897-4be2-8F04-BA451C77F1D7}">
-              <ma14:placeholderFlag xmlns:ma14="http://schemas.microsoft.com/office/mac/drawingml/2011/main" val="1"/>
-            </a:ext>
-          </a:extLst>
-        </p:spPr>
-        <p:txBody>
-          <a:bodyPr vert="horz" wrap="square" lIns="91440" tIns="45720" rIns="91440" bIns="45720" numCol="1" anchor="t" anchorCtr="0" compatLnSpc="1">
-            <a:prstTxWarp prst="textNoShape">
-              <a:avLst/>
-            </a:prstTxWarp>
-          </a:bodyPr>
-          <a:lstStyle>
-            <a:lvl1pPr marL="342900" indent="-342900" algn="l" rtl="0" eaLnBrk="0" fontAlgn="base" hangingPunct="0">
-              <a:spcBef>
-                <a:spcPct val="20000"/>
-              </a:spcBef>
-              <a:spcAft>
-                <a:spcPct val="0"/>
-              </a:spcAft>
-              <a:buFont typeface="Arial" charset="0"/>
-              <a:buChar char="•"/>
-              <a:defRPr sz="2800" kern="1200">
-                <a:solidFill>
-                  <a:schemeClr val="tx1"/>
-                </a:solidFill>
-                <a:latin typeface="Calibri"/>
-                <a:ea typeface="ＭＳ Ｐゴシック" pitchFamily="-28" charset="-128"/>
-                <a:cs typeface="Calibri"/>
-              </a:defRPr>
-            </a:lvl1pPr>
-            <a:lvl2pPr marL="742950" indent="-285750" algn="l" rtl="0" eaLnBrk="0" fontAlgn="base" hangingPunct="0">
-              <a:spcBef>
-                <a:spcPct val="20000"/>
-              </a:spcBef>
-              <a:spcAft>
-                <a:spcPct val="0"/>
-              </a:spcAft>
-              <a:buFont typeface="Arial" charset="0"/>
-              <a:buChar char="–"/>
-              <a:defRPr sz="2400" kern="1200">
-                <a:solidFill>
-                  <a:schemeClr val="tx1"/>
-                </a:solidFill>
-                <a:latin typeface="Calibri"/>
-                <a:ea typeface="ＭＳ Ｐゴシック" pitchFamily="-28" charset="-128"/>
-                <a:cs typeface="Calibri"/>
-              </a:defRPr>
-            </a:lvl2pPr>
-            <a:lvl3pPr marL="1143000" indent="-228600" algn="l" rtl="0" eaLnBrk="0" fontAlgn="base" hangingPunct="0">
-              <a:spcBef>
-                <a:spcPct val="20000"/>
-              </a:spcBef>
-              <a:spcAft>
-                <a:spcPct val="0"/>
-              </a:spcAft>
-              <a:buFont typeface="Arial" charset="0"/>
-              <a:buChar char="•"/>
-              <a:defRPr sz="2000" kern="1200">
-                <a:solidFill>
-                  <a:schemeClr val="tx1"/>
-                </a:solidFill>
-                <a:latin typeface="Calibri"/>
-                <a:ea typeface="ＭＳ Ｐゴシック" pitchFamily="-28" charset="-128"/>
-                <a:cs typeface="Calibri"/>
-              </a:defRPr>
-            </a:lvl3pPr>
-            <a:lvl4pPr marL="1600200" indent="-228600" algn="l" rtl="0" eaLnBrk="0" fontAlgn="base" hangingPunct="0">
-              <a:spcBef>
-                <a:spcPct val="20000"/>
-              </a:spcBef>
-              <a:spcAft>
-                <a:spcPct val="0"/>
-              </a:spcAft>
-              <a:buFont typeface="Arial" charset="0"/>
-              <a:buChar char="–"/>
-              <a:defRPr kern="1200">
-                <a:solidFill>
-                  <a:schemeClr val="tx1"/>
-                </a:solidFill>
-                <a:latin typeface="Calibri"/>
-                <a:ea typeface="ＭＳ Ｐゴシック" pitchFamily="-28" charset="-128"/>
-                <a:cs typeface="Calibri"/>
-              </a:defRPr>
-            </a:lvl4pPr>
-            <a:lvl5pPr marL="2057400" indent="-228600" algn="l" rtl="0" eaLnBrk="0" fontAlgn="base" hangingPunct="0">
-              <a:spcBef>
-                <a:spcPct val="20000"/>
-              </a:spcBef>
-              <a:spcAft>
-                <a:spcPct val="0"/>
-              </a:spcAft>
-              <a:buFont typeface="Arial" charset="0"/>
-              <a:buChar char="»"/>
-              <a:defRPr kern="1200">
-                <a:solidFill>
-                  <a:schemeClr val="tx1"/>
-                </a:solidFill>
-                <a:latin typeface="Calibri"/>
-                <a:ea typeface="ＭＳ Ｐゴシック" pitchFamily="-28" charset="-128"/>
-                <a:cs typeface="Calibri"/>
-              </a:defRPr>
-            </a:lvl5pPr>
-            <a:lvl6pPr marL="2514600" indent="-228600" algn="l" defTabSz="914400" rtl="0" eaLnBrk="1" latinLnBrk="0" hangingPunct="1">
-              <a:spcBef>
-                <a:spcPct val="20000"/>
-              </a:spcBef>
-              <a:buFont typeface="Arial" pitchFamily="34" charset="0"/>
-              <a:buChar char="•"/>
-              <a:defRPr sz="2000" kern="1200">
-                <a:solidFill>
-                  <a:schemeClr val="tx1"/>
-                </a:solidFill>
-                <a:latin typeface="+mn-lt"/>
-                <a:ea typeface="+mn-ea"/>
-                <a:cs typeface="+mn-cs"/>
-              </a:defRPr>
-            </a:lvl6pPr>
-            <a:lvl7pPr marL="2971800" indent="-228600" algn="l" defTabSz="914400" rtl="0" eaLnBrk="1" latinLnBrk="0" hangingPunct="1">
-              <a:spcBef>
-                <a:spcPct val="20000"/>
-              </a:spcBef>
-              <a:buFont typeface="Arial" pitchFamily="34" charset="0"/>
-              <a:buChar char="•"/>
-              <a:defRPr sz="2000" kern="1200">
-                <a:solidFill>
-                  <a:schemeClr val="tx1"/>
-                </a:solidFill>
-                <a:latin typeface="+mn-lt"/>
-                <a:ea typeface="+mn-ea"/>
-                <a:cs typeface="+mn-cs"/>
-              </a:defRPr>
-            </a:lvl7pPr>
-            <a:lvl8pPr marL="3429000" indent="-228600" algn="l" defTabSz="914400" rtl="0" eaLnBrk="1" latinLnBrk="0" hangingPunct="1">
-              <a:spcBef>
-                <a:spcPct val="20000"/>
-              </a:spcBef>
-              <a:buFont typeface="Arial" pitchFamily="34" charset="0"/>
-              <a:buChar char="•"/>
-              <a:defRPr sz="2000" kern="1200">
-                <a:solidFill>
-                  <a:schemeClr val="tx1"/>
-                </a:solidFill>
-                <a:latin typeface="+mn-lt"/>
-                <a:ea typeface="+mn-ea"/>
-                <a:cs typeface="+mn-cs"/>
-              </a:defRPr>
-            </a:lvl8pPr>
-            <a:lvl9pPr marL="3886200" indent="-228600" algn="l" defTabSz="914400" rtl="0" eaLnBrk="1" latinLnBrk="0" hangingPunct="1">
-              <a:spcBef>
-                <a:spcPct val="20000"/>
-              </a:spcBef>
-              <a:buFont typeface="Arial" pitchFamily="34" charset="0"/>
-              <a:buChar char="•"/>
-              <a:defRPr sz="2000" kern="1200">
-                <a:solidFill>
-                  <a:schemeClr val="tx1"/>
-                </a:solidFill>
-                <a:latin typeface="+mn-lt"/>
-                <a:ea typeface="+mn-ea"/>
-                <a:cs typeface="+mn-cs"/>
-              </a:defRPr>
-            </a:lvl9pPr>
-          </a:lstStyle>
-          <a:p>
-            <a:pPr marL="0" indent="0" algn="ctr" eaLnBrk="1" hangingPunct="1">
-              <a:buFont typeface="Arial" charset="0"/>
-              <a:buNone/>
-            </a:pPr>
-            <a:r>
-              <a:rPr lang="en-US" dirty="0" smtClean="0">
-                <a:latin typeface="Calibri" charset="0"/>
-                <a:ea typeface="ＭＳ Ｐゴシック" charset="0"/>
-                <a:cs typeface="ＭＳ Ｐゴシック" charset="0"/>
-              </a:rPr>
-              <a:t>In collaboration with</a:t>
-            </a:r>
-            <a:endParaRPr lang="en-US" dirty="0">
-              <a:latin typeface="Calibri" charset="0"/>
-              <a:ea typeface="ＭＳ Ｐゴシック" charset="0"/>
-              <a:cs typeface="ＭＳ Ｐゴシック" charset="0"/>
-            </a:endParaRPr>
-          </a:p>
-        </p:txBody>
-      </p:sp>
-    </p:spTree>
-    <p:extLst>
-      <p:ext uri="{BB962C8B-B14F-4D97-AF65-F5344CB8AC3E}">
-        <p14:creationId xmlns:p14="http://schemas.microsoft.com/office/powerpoint/2010/main" val="139381770"/>
-      </p:ext>
-    </p:extLst>
-  </p:cSld>
-  <p:clrMapOvr>
-    <a:masterClrMapping/>
-  </p:clrMapOvr>
-</p:sld>
-</file>
-
-<file path=ppt/slides/slide3.xml><?xml version="1.0" encoding="utf-8"?>
 <p:sld xmlns:a="http://schemas.openxmlformats.org/drawingml/2006/main" xmlns:r="http://schemas.openxmlformats.org/officeDocument/2006/relationships" xmlns:p="http://schemas.openxmlformats.org/presentationml/2006/main">
   <p:cSld>
     <p:spTree>
@@ -8722,7 +7925,7 @@
             <a:fld id="{06D23BA9-5070-0648-A3DA-E6039966856F}" type="slidenum">
               <a:rPr lang="en-US" sz="1200"/>
               <a:pPr algn="r"/>
-              <a:t>3</a:t>
+              <a:t>2</a:t>
             </a:fld>
             <a:endParaRPr lang="en-US" sz="1200"/>
           </a:p>
@@ -9125,7 +8328,7 @@
 </p:sld>
 </file>
 
-<file path=ppt/slides/slide4.xml><?xml version="1.0" encoding="utf-8"?>
+<file path=ppt/slides/slide3.xml><?xml version="1.0" encoding="utf-8"?>
 <p:sld xmlns:a="http://schemas.openxmlformats.org/drawingml/2006/main" xmlns:r="http://schemas.openxmlformats.org/officeDocument/2006/relationships" xmlns:p="http://schemas.openxmlformats.org/presentationml/2006/main">
   <p:cSld>
     <p:spTree>
@@ -9474,7 +8677,7 @@
               <a:defRPr/>
             </a:pPr>
             <a:r>
-              <a:rPr lang="en-US" sz="1600" dirty="0" smtClean="0">
+              <a:rPr lang="en-US" sz="1600" dirty="0">
                 <a:ln w="1270">
                   <a:solidFill>
                     <a:schemeClr val="tx1">
@@ -9483,10 +8686,9 @@
                   </a:solidFill>
                 </a:ln>
                 <a:latin typeface="Calibri"/>
-                <a:ea typeface="+mj-ea"/>
                 <a:cs typeface="Calibri"/>
               </a:rPr>
-              <a:t>High-throughput Biology: From Sequence to Networks</a:t>
+              <a:t>Informatics for RNA-seq Analysis</a:t>
             </a:r>
           </a:p>
           <a:p>
@@ -9497,7 +8699,7 @@
               <a:defRPr/>
             </a:pPr>
             <a:r>
-              <a:rPr lang="en-US" sz="1400" dirty="0" smtClean="0">
+              <a:rPr lang="en-US" sz="1400" dirty="0">
                 <a:ln w="1270">
                   <a:solidFill>
                     <a:schemeClr val="tx1">
@@ -9506,105 +8708,13 @@
                   </a:solidFill>
                 </a:ln>
                 <a:latin typeface="Calibri"/>
-                <a:ea typeface="+mn-ea"/>
                 <a:cs typeface="Calibri"/>
               </a:rPr>
-              <a:t>April 27-May 3, 2015</a:t>
+              <a:t>June 8-9, 2015</a:t>
             </a:r>
           </a:p>
         </p:txBody>
       </p:sp>
-      <p:pic>
-        <p:nvPicPr>
-          <p:cNvPr id="4" name="Picture 3" descr="bioinformatics-ca.eps"/>
-          <p:cNvPicPr>
-            <a:picLocks noChangeAspect="1"/>
-          </p:cNvPicPr>
-          <p:nvPr/>
-        </p:nvPicPr>
-        <p:blipFill>
-          <a:blip r:embed="rId2">
-            <a:extLst>
-              <a:ext uri="{28A0092B-C50C-407E-A947-70E740481C1C}">
-                <a14:useLocalDpi xmlns:a14="http://schemas.microsoft.com/office/drawing/2010/main" val="0"/>
-              </a:ext>
-            </a:extLst>
-          </a:blip>
-          <a:stretch>
-            <a:fillRect/>
-          </a:stretch>
-        </p:blipFill>
-        <p:spPr>
-          <a:xfrm>
-            <a:off x="6516216" y="2708920"/>
-            <a:ext cx="2339752" cy="1005487"/>
-          </a:xfrm>
-          <a:prstGeom prst="rect">
-            <a:avLst/>
-          </a:prstGeom>
-        </p:spPr>
-      </p:pic>
-      <p:pic>
-        <p:nvPicPr>
-          <p:cNvPr id="9" name="Picture 8" descr="CSHL_Logo.eps"/>
-          <p:cNvPicPr>
-            <a:picLocks noChangeAspect="1"/>
-          </p:cNvPicPr>
-          <p:nvPr/>
-        </p:nvPicPr>
-        <p:blipFill>
-          <a:blip r:embed="rId3">
-            <a:extLst>
-              <a:ext uri="{28A0092B-C50C-407E-A947-70E740481C1C}">
-                <a14:useLocalDpi xmlns:a14="http://schemas.microsoft.com/office/drawing/2010/main" val="0"/>
-              </a:ext>
-            </a:extLst>
-          </a:blip>
-          <a:stretch>
-            <a:fillRect/>
-          </a:stretch>
-        </p:blipFill>
-        <p:spPr>
-          <a:xfrm>
-            <a:off x="6372200" y="4215061"/>
-            <a:ext cx="2458204" cy="942131"/>
-          </a:xfrm>
-          <a:prstGeom prst="rect">
-            <a:avLst/>
-          </a:prstGeom>
-          <a:noFill/>
-        </p:spPr>
-      </p:pic>
-      <p:pic>
-        <p:nvPicPr>
-          <p:cNvPr id="10" name="Picture 9" descr="NYGC_logo.jpeg"/>
-          <p:cNvPicPr>
-            <a:picLocks noChangeAspect="1"/>
-          </p:cNvPicPr>
-          <p:nvPr/>
-        </p:nvPicPr>
-        <p:blipFill>
-          <a:blip r:embed="rId4" cstate="print">
-            <a:extLst>
-              <a:ext uri="{28A0092B-C50C-407E-A947-70E740481C1C}">
-                <a14:useLocalDpi xmlns:a14="http://schemas.microsoft.com/office/drawing/2010/main" val="0"/>
-              </a:ext>
-            </a:extLst>
-          </a:blip>
-          <a:stretch>
-            <a:fillRect/>
-          </a:stretch>
-        </p:blipFill>
-        <p:spPr>
-          <a:xfrm>
-            <a:off x="6568588" y="5288114"/>
-            <a:ext cx="2224796" cy="1483197"/>
-          </a:xfrm>
-          <a:prstGeom prst="rect">
-            <a:avLst/>
-          </a:prstGeom>
-        </p:spPr>
-      </p:pic>
       <p:pic>
         <p:nvPicPr>
           <p:cNvPr id="8" name="Picture 1" descr="RNA-Seq-alignment.png"/>
@@ -9614,7 +8724,7 @@
           <p:nvPr/>
         </p:nvPicPr>
         <p:blipFill>
-          <a:blip r:embed="rId5">
+          <a:blip r:embed="rId2">
             <a:extLst>
               <a:ext uri="{28A0092B-C50C-407E-A947-70E740481C1C}">
                 <a14:useLocalDpi xmlns:a14="http://schemas.microsoft.com/office/drawing/2010/main" val="0"/>
@@ -9659,6 +8769,36 @@
           </a:extLst>
         </p:spPr>
       </p:pic>
+      <p:pic>
+        <p:nvPicPr>
+          <p:cNvPr id="11" name="Picture 10" descr="bioinformatics-ca.eps"/>
+          <p:cNvPicPr>
+            <a:picLocks noChangeAspect="1"/>
+          </p:cNvPicPr>
+          <p:nvPr/>
+        </p:nvPicPr>
+        <p:blipFill>
+          <a:blip r:embed="rId3">
+            <a:extLst>
+              <a:ext uri="{28A0092B-C50C-407E-A947-70E740481C1C}">
+                <a14:useLocalDpi xmlns:a14="http://schemas.microsoft.com/office/drawing/2010/main" val="0"/>
+              </a:ext>
+            </a:extLst>
+          </a:blip>
+          <a:stretch>
+            <a:fillRect/>
+          </a:stretch>
+        </p:blipFill>
+        <p:spPr>
+          <a:xfrm>
+            <a:off x="6516216" y="4223713"/>
+            <a:ext cx="2339752" cy="1005487"/>
+          </a:xfrm>
+          <a:prstGeom prst="rect">
+            <a:avLst/>
+          </a:prstGeom>
+        </p:spPr>
+      </p:pic>
     </p:spTree>
   </p:cSld>
   <p:clrMapOvr>
@@ -9674,7 +8814,7 @@
 </p:sld>
 </file>
 
-<file path=ppt/slides/slide5.xml><?xml version="1.0" encoding="utf-8"?>
+<file path=ppt/slides/slide4.xml><?xml version="1.0" encoding="utf-8"?>
 <p:sld xmlns:a="http://schemas.openxmlformats.org/drawingml/2006/main" xmlns:r="http://schemas.openxmlformats.org/officeDocument/2006/relationships" xmlns:p="http://schemas.openxmlformats.org/presentationml/2006/main">
   <p:cSld>
     <p:spTree>
@@ -9883,7 +9023,7 @@
 </p:sld>
 </file>
 
-<file path=ppt/slides/slide6.xml><?xml version="1.0" encoding="utf-8"?>
+<file path=ppt/slides/slide5.xml><?xml version="1.0" encoding="utf-8"?>
 <p:sld xmlns:a="http://schemas.openxmlformats.org/drawingml/2006/main" xmlns:r="http://schemas.openxmlformats.org/officeDocument/2006/relationships" xmlns:p="http://schemas.openxmlformats.org/presentationml/2006/main">
   <p:cSld>
     <p:spTree>
@@ -10028,7 +9168,7 @@
 </p:sld>
 </file>
 
-<file path=ppt/slides/slide7.xml><?xml version="1.0" encoding="utf-8"?>
+<file path=ppt/slides/slide6.xml><?xml version="1.0" encoding="utf-8"?>
 <p:sld xmlns:a="http://schemas.openxmlformats.org/drawingml/2006/main" xmlns:r="http://schemas.openxmlformats.org/officeDocument/2006/relationships" xmlns:p="http://schemas.openxmlformats.org/presentationml/2006/main">
   <p:cSld>
     <p:spTree>
@@ -10366,7 +9506,7 @@
 </p:sld>
 </file>
 
-<file path=ppt/slides/slide8.xml><?xml version="1.0" encoding="utf-8"?>
+<file path=ppt/slides/slide7.xml><?xml version="1.0" encoding="utf-8"?>
 <p:sld xmlns:a="http://schemas.openxmlformats.org/drawingml/2006/main" xmlns:r="http://schemas.openxmlformats.org/officeDocument/2006/relationships" xmlns:p="http://schemas.openxmlformats.org/presentationml/2006/main">
   <p:cSld>
     <p:spTree>
@@ -10775,7 +9915,7 @@
 </p:sld>
 </file>
 
-<file path=ppt/slides/slide9.xml><?xml version="1.0" encoding="utf-8"?>
+<file path=ppt/slides/slide8.xml><?xml version="1.0" encoding="utf-8"?>
 <p:sld xmlns:a="http://schemas.openxmlformats.org/drawingml/2006/main" xmlns:r="http://schemas.openxmlformats.org/officeDocument/2006/relationships" xmlns:p="http://schemas.openxmlformats.org/presentationml/2006/main">
   <p:cSld>
     <p:spTree>
@@ -10851,6 +9991,169 @@
     <p:extLst>
       <p:ext uri="{BB962C8B-B14F-4D97-AF65-F5344CB8AC3E}">
         <p14:creationId xmlns:p14="http://schemas.microsoft.com/office/powerpoint/2010/main" val="4033801879"/>
+      </p:ext>
+    </p:extLst>
+  </p:cSld>
+  <p:clrMapOvr>
+    <a:masterClrMapping/>
+  </p:clrMapOvr>
+  <p:timing>
+    <p:tnLst>
+      <p:par>
+        <p:cTn xmlns:p14="http://schemas.microsoft.com/office/powerpoint/2010/main" id="1" dur="indefinite" restart="never" nodeType="tmRoot"/>
+      </p:par>
+    </p:tnLst>
+  </p:timing>
+</p:sld>
+</file>
+
+<file path=ppt/slides/slide9.xml><?xml version="1.0" encoding="utf-8"?>
+<p:sld xmlns:a="http://schemas.openxmlformats.org/drawingml/2006/main" xmlns:r="http://schemas.openxmlformats.org/officeDocument/2006/relationships" xmlns:p="http://schemas.openxmlformats.org/presentationml/2006/main">
+  <p:cSld>
+    <p:spTree>
+      <p:nvGrpSpPr>
+        <p:cNvPr id="1" name=""/>
+        <p:cNvGrpSpPr/>
+        <p:nvPr/>
+      </p:nvGrpSpPr>
+      <p:grpSpPr>
+        <a:xfrm>
+          <a:off x="0" y="0"/>
+          <a:ext cx="0" cy="0"/>
+          <a:chOff x="0" y="0"/>
+          <a:chExt cx="0" cy="0"/>
+        </a:xfrm>
+      </p:grpSpPr>
+      <p:sp>
+        <p:nvSpPr>
+          <p:cNvPr id="25601" name="Title 1"/>
+          <p:cNvSpPr>
+            <a:spLocks noGrp="1"/>
+          </p:cNvSpPr>
+          <p:nvPr>
+            <p:ph type="title"/>
+          </p:nvPr>
+        </p:nvSpPr>
+        <p:spPr>
+          <a:xfrm>
+            <a:off x="152400" y="-26988"/>
+            <a:ext cx="8839200" cy="1143001"/>
+          </a:xfrm>
+        </p:spPr>
+        <p:txBody>
+          <a:bodyPr/>
+          <a:lstStyle/>
+          <a:p>
+            <a:r>
+              <a:rPr lang="en-US" dirty="0" smtClean="0">
+                <a:latin typeface="Calibri" charset="0"/>
+                <a:ea typeface="ＭＳ Ｐゴシック" charset="0"/>
+              </a:rPr>
+              <a:t>5-iii,iv. </a:t>
+            </a:r>
+            <a:r>
+              <a:rPr lang="en-US" dirty="0" err="1" smtClean="0">
+                <a:latin typeface="Calibri" charset="0"/>
+                <a:ea typeface="ＭＳ Ｐゴシック" charset="0"/>
+              </a:rPr>
+              <a:t>Cuffmerge</a:t>
+            </a:r>
+            <a:endParaRPr lang="en-US" dirty="0">
+              <a:latin typeface="Calibri" charset="0"/>
+              <a:ea typeface="ＭＳ Ｐゴシック" charset="0"/>
+            </a:endParaRPr>
+          </a:p>
+        </p:txBody>
+      </p:sp>
+      <p:sp>
+        <p:nvSpPr>
+          <p:cNvPr id="25602" name="Content Placeholder 2"/>
+          <p:cNvSpPr>
+            <a:spLocks noGrp="1"/>
+          </p:cNvSpPr>
+          <p:nvPr>
+            <p:ph idx="1"/>
+          </p:nvPr>
+        </p:nvSpPr>
+        <p:spPr/>
+        <p:txBody>
+          <a:bodyPr/>
+          <a:lstStyle/>
+          <a:p>
+            <a:r>
+              <a:rPr lang="en-US">
+                <a:latin typeface="Calibri" charset="0"/>
+                <a:ea typeface="ＭＳ Ｐゴシック" charset="0"/>
+                <a:hlinkClick r:id="rId3"/>
+              </a:rPr>
+              <a:t>http://cufflinks.cbcb.umd.edu/manual.html#cuffmerge</a:t>
+            </a:r>
+            <a:endParaRPr lang="en-US">
+              <a:latin typeface="Calibri" charset="0"/>
+              <a:ea typeface="ＭＳ Ｐゴシック" charset="0"/>
+            </a:endParaRPr>
+          </a:p>
+          <a:p>
+            <a:endParaRPr lang="en-US">
+              <a:latin typeface="Calibri" charset="0"/>
+              <a:ea typeface="ＭＳ Ｐゴシック" charset="0"/>
+            </a:endParaRPr>
+          </a:p>
+          <a:p>
+            <a:r>
+              <a:rPr lang="en-US">
+                <a:latin typeface="Calibri" charset="0"/>
+                <a:ea typeface="ＭＳ Ｐゴシック" charset="0"/>
+              </a:rPr>
+              <a:t>Cuffmerge combines transcripts predicted from multiple RNA-seq data sets into one view of the transcriptome</a:t>
+            </a:r>
+          </a:p>
+          <a:p>
+            <a:pPr lvl="1"/>
+            <a:r>
+              <a:rPr lang="en-US">
+                <a:latin typeface="Calibri" charset="0"/>
+                <a:ea typeface="ＭＳ Ｐゴシック" charset="0"/>
+              </a:rPr>
+              <a:t>Do this before running cuffdiff to compare between multiple conditions</a:t>
+            </a:r>
+          </a:p>
+          <a:p>
+            <a:r>
+              <a:rPr lang="en-US">
+                <a:latin typeface="Calibri" charset="0"/>
+                <a:ea typeface="ＭＳ Ｐゴシック" charset="0"/>
+              </a:rPr>
+              <a:t>Cuffmerge can also simultaneously compare transcripts to the known transcripts GTF file from Ensembl, etc.</a:t>
+            </a:r>
+          </a:p>
+          <a:p>
+            <a:pPr lvl="1"/>
+            <a:r>
+              <a:rPr lang="en-US">
+                <a:latin typeface="Calibri" charset="0"/>
+                <a:ea typeface="ＭＳ Ｐゴシック" charset="0"/>
+                <a:hlinkClick r:id="rId4"/>
+              </a:rPr>
+              <a:t>http://cufflinks.cbcb.umd.edu/manual.html#class_codes</a:t>
+            </a:r>
+            <a:endParaRPr lang="en-US">
+              <a:latin typeface="Calibri" charset="0"/>
+              <a:ea typeface="ＭＳ Ｐゴシック" charset="0"/>
+            </a:endParaRPr>
+          </a:p>
+          <a:p>
+            <a:endParaRPr lang="en-US">
+              <a:latin typeface="Calibri" charset="0"/>
+              <a:ea typeface="ＭＳ Ｐゴシック" charset="0"/>
+            </a:endParaRPr>
+          </a:p>
+        </p:txBody>
+      </p:sp>
+    </p:spTree>
+    <p:extLst>
+      <p:ext uri="{BB962C8B-B14F-4D97-AF65-F5344CB8AC3E}">
+        <p14:creationId xmlns:p14="http://schemas.microsoft.com/office/powerpoint/2010/main" val="2573498964"/>
       </p:ext>
     </p:extLst>
   </p:cSld>

--- a/LectureFiles/cbw/2015/RNASeq_Module4_Tutorial.pptx
+++ b/LectureFiles/cbw/2015/RNASeq_Module4_Tutorial.pptx
@@ -263,7 +263,7 @@
               <a:pPr>
                 <a:defRPr/>
               </a:pPr>
-              <a:t>6/1/15</a:t>
+              <a:t>6/9/15</a:t>
             </a:fld>
             <a:endParaRPr lang="en-US"/>
           </a:p>
@@ -478,7 +478,7 @@
               <a:pPr>
                 <a:defRPr/>
               </a:pPr>
-              <a:t>6/1/15</a:t>
+              <a:t>6/9/15</a:t>
             </a:fld>
             <a:endParaRPr lang="en-US"/>
           </a:p>
@@ -5884,7 +5884,7 @@
               <a:pPr>
                 <a:defRPr/>
               </a:pPr>
-              <a:t>6/1/15</a:t>
+              <a:t>6/9/15</a:t>
             </a:fld>
             <a:endParaRPr lang="en-US"/>
           </a:p>
@@ -7750,6 +7750,13 @@
   <p:clrMapOvr>
     <a:masterClrMapping/>
   </p:clrMapOvr>
+  <p:timing>
+    <p:tnLst>
+      <p:par>
+        <p:cTn xmlns:p14="http://schemas.microsoft.com/office/powerpoint/2010/main" id="1" dur="indefinite" restart="never" nodeType="tmRoot"/>
+      </p:par>
+    </p:tnLst>
+  </p:timing>
 </p:sld>
 </file>
 
@@ -9106,7 +9113,15 @@
             </a:pPr>
             <a:r>
               <a:rPr lang="en-US" dirty="0" smtClean="0"/>
-              <a:t>In Module 4 we ran cufflinks in ‘ref-only’ mode.  This mode gives us an expression estimate for each known gene/transcript</a:t>
+              <a:t>In Module </a:t>
+            </a:r>
+            <a:r>
+              <a:rPr lang="en-US" dirty="0" smtClean="0"/>
+              <a:t>3 </a:t>
+            </a:r>
+            <a:r>
+              <a:rPr lang="en-US" dirty="0" smtClean="0"/>
+              <a:t>we ran cufflinks in ‘ref-only’ mode.  This mode gives us an expression estimate for each known gene/transcript</a:t>
             </a:r>
           </a:p>
           <a:p>
